--- a/2018/2018.02.28-Aula02.pptx
+++ b/2018/2018.02.28-Aula02.pptx
@@ -14,14 +14,13 @@
     <p:sldId id="261" r:id="rId8"/>
     <p:sldId id="262" r:id="rId9"/>
     <p:sldId id="263" r:id="rId10"/>
-    <p:sldId id="269" r:id="rId11"/>
-    <p:sldId id="270" r:id="rId12"/>
-    <p:sldId id="271" r:id="rId13"/>
-    <p:sldId id="276" r:id="rId14"/>
-    <p:sldId id="272" r:id="rId15"/>
-    <p:sldId id="273" r:id="rId16"/>
-    <p:sldId id="274" r:id="rId17"/>
-    <p:sldId id="275" r:id="rId18"/>
+    <p:sldId id="272" r:id="rId11"/>
+    <p:sldId id="273" r:id="rId12"/>
+    <p:sldId id="278" r:id="rId13"/>
+    <p:sldId id="269" r:id="rId14"/>
+    <p:sldId id="270" r:id="rId15"/>
+    <p:sldId id="271" r:id="rId16"/>
+    <p:sldId id="276" r:id="rId17"/>
   </p:sldIdLst>
   <p:sldSz cx="12192000" cy="6858000"/>
   <p:notesSz cx="6858000" cy="9144000"/>
@@ -379,7 +378,7 @@
             <a:fld id="{B61BEF0D-F0BB-DE4B-95CE-6DB70DBA9567}" type="datetimeFigureOut">
               <a:rPr lang="en-US" smtClean="0"/>
               <a:pPr/>
-              <a:t>2/28/2018</a:t>
+              <a:t>3/21/2018</a:t>
             </a:fld>
             <a:endParaRPr lang="en-US" dirty="0"/>
           </a:p>
@@ -557,7 +556,7 @@
             <a:fld id="{B61BEF0D-F0BB-DE4B-95CE-6DB70DBA9567}" type="datetimeFigureOut">
               <a:rPr lang="en-US" smtClean="0"/>
               <a:pPr/>
-              <a:t>2/28/2018</a:t>
+              <a:t>3/21/2018</a:t>
             </a:fld>
             <a:endParaRPr lang="en-US" dirty="0"/>
           </a:p>
@@ -683,7 +682,7 @@
             <a:fld id="{B61BEF0D-F0BB-DE4B-95CE-6DB70DBA9567}" type="datetimeFigureOut">
               <a:rPr lang="en-US" smtClean="0"/>
               <a:pPr/>
-              <a:t>2/28/2018</a:t>
+              <a:t>3/21/2018</a:t>
             </a:fld>
             <a:endParaRPr lang="en-US" dirty="0"/>
           </a:p>
@@ -775,7 +774,7 @@
             <a:fld id="{B61BEF0D-F0BB-DE4B-95CE-6DB70DBA9567}" type="datetimeFigureOut">
               <a:rPr lang="en-US" smtClean="0"/>
               <a:pPr/>
-              <a:t>2/28/2018</a:t>
+              <a:t>3/21/2018</a:t>
             </a:fld>
             <a:endParaRPr lang="en-US" dirty="0"/>
           </a:p>
@@ -1015,7 +1014,7 @@
             <a:fld id="{B61BEF0D-F0BB-DE4B-95CE-6DB70DBA9567}" type="datetimeFigureOut">
               <a:rPr lang="en-US" smtClean="0"/>
               <a:pPr/>
-              <a:t>2/28/2018</a:t>
+              <a:t>3/21/2018</a:t>
             </a:fld>
             <a:endParaRPr lang="en-US" dirty="0"/>
           </a:p>
@@ -1193,7 +1192,7 @@
             <a:fld id="{B61BEF0D-F0BB-DE4B-95CE-6DB70DBA9567}" type="datetimeFigureOut">
               <a:rPr lang="en-US" smtClean="0"/>
               <a:pPr/>
-              <a:t>2/28/2018</a:t>
+              <a:t>3/21/2018</a:t>
             </a:fld>
             <a:endParaRPr lang="en-US" dirty="0"/>
           </a:p>
@@ -1433,7 +1432,7 @@
             <a:fld id="{B61BEF0D-F0BB-DE4B-95CE-6DB70DBA9567}" type="datetimeFigureOut">
               <a:rPr lang="en-US" smtClean="0"/>
               <a:pPr/>
-              <a:t>2/28/2018</a:t>
+              <a:t>3/21/2018</a:t>
             </a:fld>
             <a:endParaRPr lang="en-US" dirty="0"/>
           </a:p>
@@ -1704,7 +1703,7 @@
             <a:fld id="{B61BEF0D-F0BB-DE4B-95CE-6DB70DBA9567}" type="datetimeFigureOut">
               <a:rPr lang="en-US" smtClean="0"/>
               <a:pPr/>
-              <a:t>2/28/2018</a:t>
+              <a:t>3/21/2018</a:t>
             </a:fld>
             <a:endParaRPr lang="en-US" dirty="0"/>
           </a:p>
@@ -1996,6 +1995,13 @@
   <p:clrMapOvr>
     <a:masterClrMapping/>
   </p:clrMapOvr>
+  <p:timing>
+    <p:tnLst>
+      <p:par>
+        <p:cTn id="1" dur="indefinite" restart="never" nodeType="tmRoot"/>
+      </p:par>
+    </p:tnLst>
+  </p:timing>
 </p:sld>
 </file>
 
@@ -2018,7 +2024,34 @@
       </p:grpSpPr>
       <p:sp>
         <p:nvSpPr>
-          <p:cNvPr id="2" name="Espaço Reservado para Conteúdo 1"/>
+          <p:cNvPr id="2" name="Título 1"/>
+          <p:cNvSpPr>
+            <a:spLocks noGrp="1"/>
+          </p:cNvSpPr>
+          <p:nvPr>
+            <p:ph type="title"/>
+          </p:nvPr>
+        </p:nvSpPr>
+        <p:spPr/>
+        <p:txBody>
+          <a:bodyPr/>
+          <a:lstStyle/>
+          <a:p>
+            <a:r>
+              <a:rPr lang="pt-BR" dirty="0" smtClean="0"/>
+              <a:t>Métodos </a:t>
+            </a:r>
+            <a:r>
+              <a:rPr lang="pt-BR" dirty="0" err="1" smtClean="0"/>
+              <a:t>Acessores</a:t>
+            </a:r>
+            <a:endParaRPr lang="pt-BR" dirty="0"/>
+          </a:p>
+        </p:txBody>
+      </p:sp>
+      <p:sp>
+        <p:nvSpPr>
+          <p:cNvPr id="3" name="Espaço Reservado para Conteúdo 2"/>
           <p:cNvSpPr>
             <a:spLocks noGrp="1"/>
           </p:cNvSpPr>
@@ -2033,36 +2066,40 @@
           <a:p>
             <a:r>
               <a:rPr lang="pt-BR" dirty="0" smtClean="0"/>
-              <a:t>Uma determinada loja deseja fazer um cadastro dos seus produtos. Esta loja comercializa 5 produtos: Copos, Pratos, Talheres, Panelas e Utensílios.</a:t>
-            </a:r>
-          </a:p>
-          <a:p>
-            <a:r>
-              <a:rPr lang="pt-BR" dirty="0" smtClean="0"/>
-              <a:t>Defina as classes dos respectivos produtos e escreva o código de cada uma delas.</a:t>
-            </a:r>
-            <a:endParaRPr lang="pt-BR" dirty="0"/>
-          </a:p>
-        </p:txBody>
-      </p:sp>
-      <p:sp>
-        <p:nvSpPr>
-          <p:cNvPr id="3" name="Título 2"/>
-          <p:cNvSpPr>
-            <a:spLocks noGrp="1"/>
-          </p:cNvSpPr>
-          <p:nvPr>
-            <p:ph type="title"/>
-          </p:nvPr>
-        </p:nvSpPr>
-        <p:spPr/>
-        <p:txBody>
-          <a:bodyPr/>
-          <a:lstStyle/>
-          <a:p>
-            <a:r>
-              <a:rPr lang="pt-BR" dirty="0" smtClean="0"/>
-              <a:t>Exercício</a:t>
+              <a:t>São métodos que são usados especificamente para informar os dados contidos em um objeto;</a:t>
+            </a:r>
+          </a:p>
+          <a:p>
+            <a:r>
+              <a:rPr lang="pt-BR" dirty="0" smtClean="0"/>
+              <a:t>Não fazer nenhuma alteração nas informações, apenas retornam o valor do atributo;</a:t>
+            </a:r>
+          </a:p>
+          <a:p>
+            <a:r>
+              <a:rPr lang="pt-BR" dirty="0" smtClean="0"/>
+              <a:t>São normalmente acompanhados da palavra </a:t>
+            </a:r>
+            <a:r>
+              <a:rPr lang="pt-BR" i="1" dirty="0" err="1" smtClean="0"/>
+              <a:t>get</a:t>
+            </a:r>
+            <a:r>
+              <a:rPr lang="pt-BR" i="1" dirty="0" smtClean="0"/>
+              <a:t>;</a:t>
+            </a:r>
+            <a:endParaRPr lang="pt-BR" dirty="0" smtClean="0"/>
+          </a:p>
+          <a:p>
+            <a:r>
+              <a:rPr lang="pt-BR" dirty="0" smtClean="0"/>
+              <a:t>Devem estar sob o encapsulamento público;</a:t>
+            </a:r>
+          </a:p>
+          <a:p>
+            <a:r>
+              <a:rPr lang="pt-BR" dirty="0" smtClean="0"/>
+              <a:t>Associados ao conceito de encapsulamento protegem o código de acessos não autorizados;</a:t>
             </a:r>
             <a:endParaRPr lang="pt-BR" dirty="0"/>
           </a:p>
@@ -2071,13 +2108,20 @@
     </p:spTree>
     <p:extLst>
       <p:ext uri="{BB962C8B-B14F-4D97-AF65-F5344CB8AC3E}">
-        <p14:creationId xmlns:p14="http://schemas.microsoft.com/office/powerpoint/2010/main" val="1248306692"/>
+        <p14:creationId xmlns:p14="http://schemas.microsoft.com/office/powerpoint/2010/main" val="1348581898"/>
       </p:ext>
     </p:extLst>
   </p:cSld>
   <p:clrMapOvr>
     <a:masterClrMapping/>
   </p:clrMapOvr>
+  <p:timing>
+    <p:tnLst>
+      <p:par>
+        <p:cTn id="1" dur="indefinite" restart="never" nodeType="tmRoot"/>
+      </p:par>
+    </p:tnLst>
+  </p:timing>
 </p:sld>
 </file>
 
@@ -2100,7 +2144,30 @@
       </p:grpSpPr>
       <p:sp>
         <p:nvSpPr>
-          <p:cNvPr id="2" name="Espaço Reservado para Conteúdo 1"/>
+          <p:cNvPr id="2" name="Título 1"/>
+          <p:cNvSpPr>
+            <a:spLocks noGrp="1"/>
+          </p:cNvSpPr>
+          <p:nvPr>
+            <p:ph type="title"/>
+          </p:nvPr>
+        </p:nvSpPr>
+        <p:spPr/>
+        <p:txBody>
+          <a:bodyPr/>
+          <a:lstStyle/>
+          <a:p>
+            <a:r>
+              <a:rPr lang="pt-BR" dirty="0" smtClean="0"/>
+              <a:t>Métodos modificadores</a:t>
+            </a:r>
+            <a:endParaRPr lang="pt-BR" dirty="0"/>
+          </a:p>
+        </p:txBody>
+      </p:sp>
+      <p:sp>
+        <p:nvSpPr>
+          <p:cNvPr id="3" name="Espaço Reservado para Conteúdo 2"/>
           <p:cNvSpPr>
             <a:spLocks noGrp="1"/>
           </p:cNvSpPr>
@@ -2114,42 +2181,77 @@
           <a:lstStyle/>
           <a:p>
             <a:r>
-              <a:rPr lang="pt-BR" dirty="0" smtClean="0"/>
-              <a:t>Implemente a classe loja, do problema anterior na qual é possível cadastrar, visualizar e modificar as informações de 2 objetos de cada produto.</a:t>
-            </a:r>
-          </a:p>
-          <a:p>
-            <a:r>
-              <a:rPr lang="pt-BR" dirty="0" smtClean="0"/>
-              <a:t>Entrega</a:t>
-            </a:r>
-            <a:r>
-              <a:rPr lang="pt-BR" smtClean="0"/>
-              <a:t>: 14/03/2018</a:t>
+              <a:rPr lang="pt-BR" dirty="0"/>
+              <a:t>São métodos que são usados especificamente para </a:t>
+            </a:r>
+            <a:r>
+              <a:rPr lang="pt-BR" dirty="0" smtClean="0"/>
+              <a:t>alterar </a:t>
+            </a:r>
+            <a:r>
+              <a:rPr lang="pt-BR" dirty="0"/>
+              <a:t>os dados contidos em um objeto;</a:t>
+            </a:r>
+          </a:p>
+          <a:p>
+            <a:r>
+              <a:rPr lang="pt-BR" dirty="0" smtClean="0"/>
+              <a:t>Realiza apenas a alteração nas </a:t>
+            </a:r>
+            <a:r>
+              <a:rPr lang="pt-BR" dirty="0"/>
+              <a:t>informações, </a:t>
+            </a:r>
+            <a:r>
+              <a:rPr lang="pt-BR" dirty="0" smtClean="0"/>
+              <a:t>normalmente sem retornar nenhuma informação;</a:t>
             </a:r>
             <a:endParaRPr lang="pt-BR" dirty="0"/>
           </a:p>
-        </p:txBody>
-      </p:sp>
-      <p:sp>
-        <p:nvSpPr>
-          <p:cNvPr id="3" name="Título 2"/>
-          <p:cNvSpPr>
-            <a:spLocks noGrp="1"/>
-          </p:cNvSpPr>
-          <p:nvPr>
-            <p:ph type="title"/>
-          </p:nvPr>
-        </p:nvSpPr>
-        <p:spPr/>
-        <p:txBody>
-          <a:bodyPr/>
-          <a:lstStyle/>
-          <a:p>
-            <a:r>
-              <a:rPr lang="pt-BR" dirty="0" smtClean="0"/>
-              <a:t>Trabalho</a:t>
-            </a:r>
+          <a:p>
+            <a:r>
+              <a:rPr lang="pt-BR" dirty="0"/>
+              <a:t>São normalmente acompanhados da palavra </a:t>
+            </a:r>
+            <a:r>
+              <a:rPr lang="pt-BR" i="1" dirty="0" smtClean="0"/>
+              <a:t>set</a:t>
+            </a:r>
+            <a:r>
+              <a:rPr lang="pt-BR" i="1" dirty="0"/>
+              <a:t>;</a:t>
+            </a:r>
+            <a:endParaRPr lang="pt-BR" dirty="0"/>
+          </a:p>
+          <a:p>
+            <a:r>
+              <a:rPr lang="pt-BR" dirty="0"/>
+              <a:t>Devem estar sob o encapsulamento público;</a:t>
+            </a:r>
+          </a:p>
+          <a:p>
+            <a:r>
+              <a:rPr lang="pt-BR" dirty="0"/>
+              <a:t>Associados ao conceito de encapsulamento protegem o código de </a:t>
+            </a:r>
+            <a:r>
+              <a:rPr lang="pt-BR" dirty="0" smtClean="0"/>
+              <a:t>alterações </a:t>
+            </a:r>
+            <a:r>
+              <a:rPr lang="pt-BR" dirty="0"/>
+              <a:t>não </a:t>
+            </a:r>
+            <a:r>
+              <a:rPr lang="pt-BR" dirty="0" smtClean="0"/>
+              <a:t>autorizadas</a:t>
+            </a:r>
+            <a:r>
+              <a:rPr lang="pt-BR" dirty="0"/>
+              <a:t>;</a:t>
+            </a:r>
+          </a:p>
+          <a:p>
             <a:endParaRPr lang="pt-BR" dirty="0"/>
           </a:p>
         </p:txBody>
@@ -2157,13 +2259,20 @@
     </p:spTree>
     <p:extLst>
       <p:ext uri="{BB962C8B-B14F-4D97-AF65-F5344CB8AC3E}">
-        <p14:creationId xmlns:p14="http://schemas.microsoft.com/office/powerpoint/2010/main" val="220315718"/>
+        <p14:creationId xmlns:p14="http://schemas.microsoft.com/office/powerpoint/2010/main" val="2098950187"/>
       </p:ext>
     </p:extLst>
   </p:cSld>
   <p:clrMapOvr>
     <a:masterClrMapping/>
   </p:clrMapOvr>
+  <p:timing>
+    <p:tnLst>
+      <p:par>
+        <p:cTn id="1" dur="indefinite" restart="never" nodeType="tmRoot"/>
+      </p:par>
+    </p:tnLst>
+  </p:timing>
 </p:sld>
 </file>
 
@@ -2186,7 +2295,30 @@
       </p:grpSpPr>
       <p:sp>
         <p:nvSpPr>
-          <p:cNvPr id="2" name="Título 1"/>
+          <p:cNvPr id="2" name="Espaço Reservado para Conteúdo 1"/>
+          <p:cNvSpPr>
+            <a:spLocks noGrp="1"/>
+          </p:cNvSpPr>
+          <p:nvPr>
+            <p:ph idx="1"/>
+          </p:nvPr>
+        </p:nvSpPr>
+        <p:spPr/>
+        <p:txBody>
+          <a:bodyPr/>
+          <a:lstStyle/>
+          <a:p>
+            <a:r>
+              <a:rPr lang="pt-BR" dirty="0" smtClean="0"/>
+              <a:t>Conta bancaria e agência.</a:t>
+            </a:r>
+            <a:endParaRPr lang="pt-BR" dirty="0"/>
+          </a:p>
+        </p:txBody>
+      </p:sp>
+      <p:sp>
+        <p:nvSpPr>
+          <p:cNvPr id="3" name="Título 2"/>
           <p:cNvSpPr>
             <a:spLocks noGrp="1"/>
           </p:cNvSpPr>
@@ -2201,90 +2333,7 @@
           <a:p>
             <a:r>
               <a:rPr lang="pt-BR" dirty="0" smtClean="0"/>
-              <a:t>Destruidores</a:t>
-            </a:r>
-            <a:endParaRPr lang="pt-BR" dirty="0"/>
-          </a:p>
-        </p:txBody>
-      </p:sp>
-      <p:sp>
-        <p:nvSpPr>
-          <p:cNvPr id="3" name="Espaço Reservado para Conteúdo 2"/>
-          <p:cNvSpPr>
-            <a:spLocks noGrp="1"/>
-          </p:cNvSpPr>
-          <p:nvPr>
-            <p:ph idx="1"/>
-          </p:nvPr>
-        </p:nvSpPr>
-        <p:spPr/>
-        <p:txBody>
-          <a:bodyPr>
-            <a:normAutofit fontScale="92500"/>
-          </a:bodyPr>
-          <a:lstStyle/>
-          <a:p>
-            <a:r>
-              <a:rPr lang="pt-BR" dirty="0" smtClean="0"/>
-              <a:t>Destruidores são métodos especiais que levam o mesmo nome da classe precedidos do símbolo ~;</a:t>
-            </a:r>
-          </a:p>
-          <a:p>
-            <a:r>
-              <a:rPr lang="pt-BR" dirty="0" smtClean="0"/>
-              <a:t>São métodos que liberam espaço de memória e </a:t>
-            </a:r>
-            <a:r>
-              <a:rPr lang="pt-BR" dirty="0" err="1" smtClean="0"/>
-              <a:t>desinstanciam</a:t>
-            </a:r>
-            <a:r>
-              <a:rPr lang="pt-BR" dirty="0" smtClean="0"/>
-              <a:t> os objetos alocados;</a:t>
-            </a:r>
-          </a:p>
-          <a:p>
-            <a:r>
-              <a:rPr lang="pt-BR" dirty="0" smtClean="0"/>
-              <a:t>São utilizados para reduzir o uso de memória e tornar  execução mais leve;</a:t>
-            </a:r>
-          </a:p>
-          <a:p>
-            <a:r>
-              <a:rPr lang="pt-BR" dirty="0" smtClean="0"/>
-              <a:t>Sua execução não ocorre no fluxo global do programa, sendo imprevisível o momento da sua execução;</a:t>
-            </a:r>
-          </a:p>
-          <a:p>
-            <a:r>
-              <a:rPr lang="pt-BR" dirty="0" smtClean="0"/>
-              <a:t>Em C# existe o </a:t>
-            </a:r>
-            <a:r>
-              <a:rPr lang="pt-BR" i="1" dirty="0" err="1" smtClean="0"/>
-              <a:t>Garbage</a:t>
-            </a:r>
-            <a:r>
-              <a:rPr lang="pt-BR" i="1" dirty="0" smtClean="0"/>
-              <a:t> </a:t>
-            </a:r>
-            <a:r>
-              <a:rPr lang="pt-BR" i="1" dirty="0" err="1" smtClean="0"/>
-              <a:t>Collector</a:t>
-            </a:r>
-            <a:r>
-              <a:rPr lang="pt-BR" i="1" dirty="0" smtClean="0"/>
-              <a:t>, </a:t>
-            </a:r>
-            <a:r>
-              <a:rPr lang="pt-BR" dirty="0" smtClean="0"/>
-              <a:t>que faz o trabalho de liberar espaço alocado para os objetos, Se nenhuma ação especial for necessária, não é obrigatório utilizar Destruidores.</a:t>
-            </a:r>
-          </a:p>
-          <a:p>
-            <a:r>
-              <a:rPr lang="pt-BR" dirty="0" smtClean="0"/>
-              <a:t>Métodos destruidores não possuem encapsulamento.</a:t>
+              <a:t>Exemplo</a:t>
             </a:r>
             <a:endParaRPr lang="pt-BR" dirty="0"/>
           </a:p>
@@ -2293,13 +2342,20 @@
     </p:spTree>
     <p:extLst>
       <p:ext uri="{BB962C8B-B14F-4D97-AF65-F5344CB8AC3E}">
-        <p14:creationId xmlns:p14="http://schemas.microsoft.com/office/powerpoint/2010/main" val="2893035726"/>
+        <p14:creationId xmlns:p14="http://schemas.microsoft.com/office/powerpoint/2010/main" val="692751122"/>
       </p:ext>
     </p:extLst>
   </p:cSld>
   <p:clrMapOvr>
     <a:masterClrMapping/>
   </p:clrMapOvr>
+  <p:timing>
+    <p:tnLst>
+      <p:par>
+        <p:cTn id="1" dur="indefinite" restart="never" nodeType="tmRoot"/>
+      </p:par>
+    </p:tnLst>
+  </p:timing>
 </p:sld>
 </file>
 
@@ -2337,10 +2393,17 @@
           <a:p>
             <a:r>
               <a:rPr lang="pt-BR" dirty="0" smtClean="0"/>
-              <a:t>Destruindo o objeto pessoa.</a:t>
+              <a:t>Uma determinada loja deseja fazer um cadastro dos seus produtos e categorias de produtos;</a:t>
             </a:r>
             <a:endParaRPr lang="pt-BR" dirty="0"/>
           </a:p>
+          <a:p>
+            <a:r>
+              <a:rPr lang="pt-BR" dirty="0" smtClean="0"/>
+              <a:t>Defina os atributos e métodos de cada uma das classes que compõem a solução deste problema.</a:t>
+            </a:r>
+            <a:endParaRPr lang="pt-BR" dirty="0"/>
+          </a:p>
         </p:txBody>
       </p:sp>
       <p:sp>
@@ -2360,7 +2423,7 @@
           <a:p>
             <a:r>
               <a:rPr lang="pt-BR" dirty="0" smtClean="0"/>
-              <a:t>Exemplo</a:t>
+              <a:t>Exercício</a:t>
             </a:r>
             <a:endParaRPr lang="pt-BR" dirty="0"/>
           </a:p>
@@ -2369,13 +2432,20 @@
     </p:spTree>
     <p:extLst>
       <p:ext uri="{BB962C8B-B14F-4D97-AF65-F5344CB8AC3E}">
-        <p14:creationId xmlns:p14="http://schemas.microsoft.com/office/powerpoint/2010/main" val="1619825700"/>
+        <p14:creationId xmlns:p14="http://schemas.microsoft.com/office/powerpoint/2010/main" val="1248306692"/>
       </p:ext>
     </p:extLst>
   </p:cSld>
   <p:clrMapOvr>
     <a:masterClrMapping/>
   </p:clrMapOvr>
+  <p:timing>
+    <p:tnLst>
+      <p:par>
+        <p:cTn id="1" dur="indefinite" restart="never" nodeType="tmRoot"/>
+      </p:par>
+    </p:tnLst>
+  </p:timing>
 </p:sld>
 </file>
 
@@ -2398,7 +2468,50 @@
       </p:grpSpPr>
       <p:sp>
         <p:nvSpPr>
-          <p:cNvPr id="2" name="Título 1"/>
+          <p:cNvPr id="2" name="Espaço Reservado para Conteúdo 1"/>
+          <p:cNvSpPr>
+            <a:spLocks noGrp="1"/>
+          </p:cNvSpPr>
+          <p:nvPr>
+            <p:ph idx="1"/>
+          </p:nvPr>
+        </p:nvSpPr>
+        <p:spPr/>
+        <p:txBody>
+          <a:bodyPr/>
+          <a:lstStyle/>
+          <a:p>
+            <a:r>
+              <a:rPr lang="pt-BR" dirty="0" smtClean="0"/>
+              <a:t>Implemente as classes do exercício anterior. Crie pelo menos 2 categorias e pelo menos 2 produtos de cada categoria.</a:t>
+            </a:r>
+          </a:p>
+          <a:p>
+            <a:r>
+              <a:rPr lang="pt-BR" dirty="0" smtClean="0"/>
+              <a:t>O programa deve permitir cadastrar, modificar e visualizar as informações.</a:t>
+            </a:r>
+          </a:p>
+          <a:p>
+            <a:r>
+              <a:rPr lang="pt-BR" dirty="0" smtClean="0"/>
+              <a:t>Entrega: </a:t>
+            </a:r>
+            <a:r>
+              <a:rPr lang="pt-BR" dirty="0" smtClean="0"/>
+              <a:t>11</a:t>
+            </a:r>
+            <a:r>
+              <a:rPr lang="pt-BR" dirty="0" smtClean="0"/>
+              <a:t>/04/2018</a:t>
+            </a:r>
+            <a:endParaRPr lang="pt-BR" dirty="0"/>
+          </a:p>
+        </p:txBody>
+      </p:sp>
+      <p:sp>
+        <p:nvSpPr>
+          <p:cNvPr id="3" name="Título 2"/>
           <p:cNvSpPr>
             <a:spLocks noGrp="1"/>
           </p:cNvSpPr>
@@ -2413,67 +2526,7 @@
           <a:p>
             <a:r>
               <a:rPr lang="pt-BR" dirty="0" smtClean="0"/>
-              <a:t>Métodos </a:t>
-            </a:r>
-            <a:r>
-              <a:rPr lang="pt-BR" dirty="0" err="1" smtClean="0"/>
-              <a:t>Acessores</a:t>
-            </a:r>
-            <a:endParaRPr lang="pt-BR" dirty="0"/>
-          </a:p>
-        </p:txBody>
-      </p:sp>
-      <p:sp>
-        <p:nvSpPr>
-          <p:cNvPr id="3" name="Espaço Reservado para Conteúdo 2"/>
-          <p:cNvSpPr>
-            <a:spLocks noGrp="1"/>
-          </p:cNvSpPr>
-          <p:nvPr>
-            <p:ph idx="1"/>
-          </p:nvPr>
-        </p:nvSpPr>
-        <p:spPr/>
-        <p:txBody>
-          <a:bodyPr/>
-          <a:lstStyle/>
-          <a:p>
-            <a:r>
-              <a:rPr lang="pt-BR" dirty="0" smtClean="0"/>
-              <a:t>São métodos que são usados especificamente para informar os dados contidos em um objeto;</a:t>
-            </a:r>
-          </a:p>
-          <a:p>
-            <a:r>
-              <a:rPr lang="pt-BR" dirty="0" smtClean="0"/>
-              <a:t>Não fazer nenhuma alteração nas informações, apenas retornam o valor do atributo;</a:t>
-            </a:r>
-          </a:p>
-          <a:p>
-            <a:r>
-              <a:rPr lang="pt-BR" dirty="0" smtClean="0"/>
-              <a:t>São normalmente acompanhados da palavra </a:t>
-            </a:r>
-            <a:r>
-              <a:rPr lang="pt-BR" i="1" dirty="0" err="1" smtClean="0"/>
-              <a:t>get</a:t>
-            </a:r>
-            <a:r>
-              <a:rPr lang="pt-BR" i="1" dirty="0" smtClean="0"/>
-              <a:t>;</a:t>
-            </a:r>
-            <a:endParaRPr lang="pt-BR" dirty="0" smtClean="0"/>
-          </a:p>
-          <a:p>
-            <a:r>
-              <a:rPr lang="pt-BR" dirty="0" smtClean="0"/>
-              <a:t>Devem estar sob o encapsulamento público;</a:t>
-            </a:r>
-          </a:p>
-          <a:p>
-            <a:r>
-              <a:rPr lang="pt-BR" dirty="0" smtClean="0"/>
-              <a:t>Associados ao conceito de encapsulamento protegem o código de acessos não autorizados;</a:t>
+              <a:t>Trabalho</a:t>
             </a:r>
             <a:endParaRPr lang="pt-BR" dirty="0"/>
           </a:p>
@@ -2482,13 +2535,20 @@
     </p:spTree>
     <p:extLst>
       <p:ext uri="{BB962C8B-B14F-4D97-AF65-F5344CB8AC3E}">
-        <p14:creationId xmlns:p14="http://schemas.microsoft.com/office/powerpoint/2010/main" val="1348581898"/>
+        <p14:creationId xmlns:p14="http://schemas.microsoft.com/office/powerpoint/2010/main" val="220315718"/>
       </p:ext>
     </p:extLst>
   </p:cSld>
   <p:clrMapOvr>
     <a:masterClrMapping/>
   </p:clrMapOvr>
+  <p:timing>
+    <p:tnLst>
+      <p:par>
+        <p:cTn id="1" dur="indefinite" restart="never" nodeType="tmRoot"/>
+      </p:par>
+    </p:tnLst>
+  </p:timing>
 </p:sld>
 </file>
 
@@ -2526,7 +2586,7 @@
           <a:p>
             <a:r>
               <a:rPr lang="pt-BR" dirty="0" smtClean="0"/>
-              <a:t>Métodos modificadores</a:t>
+              <a:t>Destruidores</a:t>
             </a:r>
             <a:endParaRPr lang="pt-BR" dirty="0"/>
           </a:p>
@@ -2544,81 +2604,73 @@
         </p:nvSpPr>
         <p:spPr/>
         <p:txBody>
-          <a:bodyPr/>
-          <a:lstStyle/>
-          <a:p>
-            <a:r>
-              <a:rPr lang="pt-BR" dirty="0"/>
-              <a:t>São métodos que são usados especificamente para </a:t>
-            </a:r>
-            <a:r>
-              <a:rPr lang="pt-BR" dirty="0" smtClean="0"/>
-              <a:t>alterar </a:t>
-            </a:r>
-            <a:r>
-              <a:rPr lang="pt-BR" dirty="0"/>
-              <a:t>os dados contidos em um objeto;</a:t>
-            </a:r>
-          </a:p>
-          <a:p>
-            <a:r>
-              <a:rPr lang="pt-BR" dirty="0" smtClean="0"/>
-              <a:t>Realiza apenas a alteração nas </a:t>
-            </a:r>
-            <a:r>
-              <a:rPr lang="pt-BR" dirty="0"/>
-              <a:t>informações, </a:t>
-            </a:r>
-            <a:r>
-              <a:rPr lang="pt-BR" dirty="0" smtClean="0"/>
-              <a:t>normalmente sem retornar nenhuma informação;</a:t>
-            </a:r>
-            <a:endParaRPr lang="pt-BR" dirty="0"/>
-          </a:p>
-          <a:p>
-            <a:r>
-              <a:rPr lang="pt-BR" dirty="0"/>
-              <a:t>São normalmente acompanhados da palavra </a:t>
+          <a:bodyPr>
+            <a:normAutofit fontScale="92500"/>
+          </a:bodyPr>
+          <a:lstStyle/>
+          <a:p>
+            <a:r>
+              <a:rPr lang="pt-BR" dirty="0" smtClean="0"/>
+              <a:t>Destruidores são métodos especiais que levam o mesmo nome da classe precedidos do símbolo ~;</a:t>
+            </a:r>
+          </a:p>
+          <a:p>
+            <a:r>
+              <a:rPr lang="pt-BR" dirty="0" smtClean="0"/>
+              <a:t>São métodos que liberam espaço de memória e </a:t>
+            </a:r>
+            <a:r>
+              <a:rPr lang="pt-BR" dirty="0" err="1" smtClean="0"/>
+              <a:t>desinstanciam</a:t>
+            </a:r>
+            <a:r>
+              <a:rPr lang="pt-BR" dirty="0" smtClean="0"/>
+              <a:t> os objetos alocados;</a:t>
+            </a:r>
+          </a:p>
+          <a:p>
+            <a:r>
+              <a:rPr lang="pt-BR" dirty="0" smtClean="0"/>
+              <a:t>São utilizados para reduzir o uso de memória e tornar  execução mais leve;</a:t>
+            </a:r>
+          </a:p>
+          <a:p>
+            <a:r>
+              <a:rPr lang="pt-BR" dirty="0" smtClean="0"/>
+              <a:t>Sua execução não ocorre no fluxo global do programa, sendo imprevisível o momento da sua execução;</a:t>
+            </a:r>
+          </a:p>
+          <a:p>
+            <a:r>
+              <a:rPr lang="pt-BR" dirty="0" smtClean="0"/>
+              <a:t>Em C# existe o </a:t>
+            </a:r>
+            <a:r>
+              <a:rPr lang="pt-BR" i="1" dirty="0" err="1" smtClean="0"/>
+              <a:t>Garbage</a:t>
             </a:r>
             <a:r>
               <a:rPr lang="pt-BR" i="1" dirty="0" smtClean="0"/>
-              <a:t>set</a:t>
-            </a:r>
-            <a:r>
-              <a:rPr lang="pt-BR" i="1" dirty="0"/>
-              <a:t>;</a:t>
-            </a:r>
-            <a:endParaRPr lang="pt-BR" dirty="0"/>
-          </a:p>
-          <a:p>
-            <a:r>
-              <a:rPr lang="pt-BR" dirty="0"/>
-              <a:t>Devem estar sob o encapsulamento público;</a:t>
-            </a:r>
-          </a:p>
-          <a:p>
-            <a:r>
-              <a:rPr lang="pt-BR" dirty="0"/>
-              <a:t>Associados ao conceito de encapsulamento protegem o código de </a:t>
-            </a:r>
-            <a:r>
-              <a:rPr lang="pt-BR" dirty="0" smtClean="0"/>
-              <a:t>alterações </a:t>
-            </a:r>
-            <a:r>
-              <a:rPr lang="pt-BR" dirty="0"/>
-              <a:t>não </a:t>
-            </a:r>
-            <a:r>
-              <a:rPr lang="pt-BR" dirty="0" smtClean="0"/>
-              <a:t>autorizadas</a:t>
-            </a:r>
-            <a:r>
-              <a:rPr lang="pt-BR" dirty="0"/>
-              <a:t>;</a:t>
-            </a:r>
-          </a:p>
-          <a:p>
+              <a:t> </a:t>
+            </a:r>
+            <a:r>
+              <a:rPr lang="pt-BR" i="1" dirty="0" err="1" smtClean="0"/>
+              <a:t>Collector</a:t>
+            </a:r>
+            <a:r>
+              <a:rPr lang="pt-BR" i="1" dirty="0" smtClean="0"/>
+              <a:t>, </a:t>
+            </a:r>
+            <a:r>
+              <a:rPr lang="pt-BR" dirty="0" smtClean="0"/>
+              <a:t>que faz o trabalho de liberar espaço alocado para os objetos, Se nenhuma ação especial for necessária, não é obrigatório utilizar Destruidores.</a:t>
+            </a:r>
+          </a:p>
+          <a:p>
+            <a:r>
+              <a:rPr lang="pt-BR" dirty="0" smtClean="0"/>
+              <a:t>Métodos destruidores não possuem encapsulamento.</a:t>
+            </a:r>
             <a:endParaRPr lang="pt-BR" dirty="0"/>
           </a:p>
         </p:txBody>
@@ -2626,13 +2678,20 @@
     </p:spTree>
     <p:extLst>
       <p:ext uri="{BB962C8B-B14F-4D97-AF65-F5344CB8AC3E}">
-        <p14:creationId xmlns:p14="http://schemas.microsoft.com/office/powerpoint/2010/main" val="2098950187"/>
+        <p14:creationId xmlns:p14="http://schemas.microsoft.com/office/powerpoint/2010/main" val="2893035726"/>
       </p:ext>
     </p:extLst>
   </p:cSld>
   <p:clrMapOvr>
     <a:masterClrMapping/>
   </p:clrMapOvr>
+  <p:timing>
+    <p:tnLst>
+      <p:par>
+        <p:cTn id="1" dur="indefinite" restart="never" nodeType="tmRoot"/>
+      </p:par>
+    </p:tnLst>
+  </p:timing>
 </p:sld>
 </file>
 
@@ -2670,35 +2729,7 @@
           <a:p>
             <a:r>
               <a:rPr lang="pt-BR" dirty="0" smtClean="0"/>
-              <a:t>Atributos acessíveis por meio de métodos modificadores e </a:t>
-            </a:r>
-            <a:r>
-              <a:rPr lang="pt-BR" dirty="0" err="1" smtClean="0"/>
-              <a:t>acessores</a:t>
-            </a:r>
-            <a:r>
-              <a:rPr lang="pt-BR" dirty="0" smtClean="0"/>
-              <a:t> são chamados de propriedades.</a:t>
-            </a:r>
-          </a:p>
-          <a:p>
-            <a:r>
-              <a:rPr lang="pt-BR" dirty="0" smtClean="0"/>
-              <a:t>É recomendável utilizar métodos </a:t>
-            </a:r>
-            <a:r>
-              <a:rPr lang="pt-BR" dirty="0" err="1" smtClean="0"/>
-              <a:t>acessores</a:t>
-            </a:r>
-            <a:r>
-              <a:rPr lang="pt-BR" dirty="0" smtClean="0"/>
-              <a:t> e modificadores, pois estes previnem que informações incorretas sejam armazenadas ou acessadas.</a:t>
-            </a:r>
-          </a:p>
-          <a:p>
-            <a:r>
-              <a:rPr lang="pt-BR" dirty="0" smtClean="0"/>
-              <a:t>Além disso, protegem a integridade do programa, garantindo que as operações de atribuição e acesso sejam feitas de maneira controlada.</a:t>
+              <a:t>Destruindo o objeto pessoa.</a:t>
             </a:r>
             <a:endParaRPr lang="pt-BR" dirty="0"/>
           </a:p>
@@ -2721,7 +2752,7 @@
           <a:p>
             <a:r>
               <a:rPr lang="pt-BR" dirty="0" smtClean="0"/>
-              <a:t>Propriedades</a:t>
+              <a:t>Exemplo</a:t>
             </a:r>
             <a:endParaRPr lang="pt-BR" dirty="0"/>
           </a:p>
@@ -2730,105 +2761,20 @@
     </p:spTree>
     <p:extLst>
       <p:ext uri="{BB962C8B-B14F-4D97-AF65-F5344CB8AC3E}">
-        <p14:creationId xmlns:p14="http://schemas.microsoft.com/office/powerpoint/2010/main" val="1560060981"/>
+        <p14:creationId xmlns:p14="http://schemas.microsoft.com/office/powerpoint/2010/main" val="1619825700"/>
       </p:ext>
     </p:extLst>
   </p:cSld>
   <p:clrMapOvr>
     <a:masterClrMapping/>
   </p:clrMapOvr>
-</p:sld>
-</file>
-
-<file path=ppt/slides/slide17.xml><?xml version="1.0" encoding="utf-8"?>
-<p:sld xmlns:a="http://schemas.openxmlformats.org/drawingml/2006/main" xmlns:r="http://schemas.openxmlformats.org/officeDocument/2006/relationships" xmlns:p="http://schemas.openxmlformats.org/presentationml/2006/main">
-  <p:cSld>
-    <p:spTree>
-      <p:nvGrpSpPr>
-        <p:cNvPr id="1" name=""/>
-        <p:cNvGrpSpPr/>
-        <p:nvPr/>
-      </p:nvGrpSpPr>
-      <p:grpSpPr>
-        <a:xfrm>
-          <a:off x="0" y="0"/>
-          <a:ext cx="0" cy="0"/>
-          <a:chOff x="0" y="0"/>
-          <a:chExt cx="0" cy="0"/>
-        </a:xfrm>
-      </p:grpSpPr>
-      <p:sp>
-        <p:nvSpPr>
-          <p:cNvPr id="2" name="Espaço Reservado para Conteúdo 1"/>
-          <p:cNvSpPr>
-            <a:spLocks noGrp="1"/>
-          </p:cNvSpPr>
-          <p:nvPr>
-            <p:ph idx="1"/>
-          </p:nvPr>
-        </p:nvSpPr>
-        <p:spPr/>
-        <p:txBody>
-          <a:bodyPr/>
-          <a:lstStyle/>
-          <a:p>
-            <a:r>
-              <a:rPr lang="pt-BR" dirty="0" smtClean="0"/>
-              <a:t>Implementar os métodos </a:t>
-            </a:r>
-            <a:r>
-              <a:rPr lang="pt-BR" dirty="0" err="1" smtClean="0"/>
-              <a:t>acessores</a:t>
-            </a:r>
-            <a:r>
-              <a:rPr lang="pt-BR" dirty="0" smtClean="0"/>
-              <a:t> e modificadores das classes </a:t>
-            </a:r>
-            <a:r>
-              <a:rPr lang="pt-BR" dirty="0"/>
-              <a:t>Copos, Pratos, Talheres, Panelas e </a:t>
-            </a:r>
-            <a:r>
-              <a:rPr lang="pt-BR" dirty="0" smtClean="0"/>
-              <a:t>Utensílios.</a:t>
-            </a:r>
-            <a:endParaRPr lang="pt-BR" dirty="0"/>
-          </a:p>
-        </p:txBody>
-      </p:sp>
-      <p:sp>
-        <p:nvSpPr>
-          <p:cNvPr id="3" name="Título 2"/>
-          <p:cNvSpPr>
-            <a:spLocks noGrp="1"/>
-          </p:cNvSpPr>
-          <p:nvPr>
-            <p:ph type="title"/>
-          </p:nvPr>
-        </p:nvSpPr>
-        <p:spPr/>
-        <p:txBody>
-          <a:bodyPr/>
-          <a:lstStyle/>
-          <a:p>
-            <a:r>
-              <a:rPr lang="pt-BR" dirty="0" smtClean="0"/>
-              <a:t>Exercício</a:t>
-            </a:r>
-            <a:endParaRPr lang="pt-BR" dirty="0"/>
-          </a:p>
-        </p:txBody>
-      </p:sp>
-    </p:spTree>
-    <p:extLst>
-      <p:ext uri="{BB962C8B-B14F-4D97-AF65-F5344CB8AC3E}">
-        <p14:creationId xmlns:p14="http://schemas.microsoft.com/office/powerpoint/2010/main" val="722032248"/>
-      </p:ext>
-    </p:extLst>
-  </p:cSld>
-  <p:clrMapOvr>
-    <a:masterClrMapping/>
-  </p:clrMapOvr>
+  <p:timing>
+    <p:tnLst>
+      <p:par>
+        <p:cTn id="1" dur="indefinite" restart="never" nodeType="tmRoot"/>
+      </p:par>
+    </p:tnLst>
+  </p:timing>
 </p:sld>
 </file>
 
@@ -2909,6 +2855,13 @@
   <p:clrMapOvr>
     <a:masterClrMapping/>
   </p:clrMapOvr>
+  <p:timing>
+    <p:tnLst>
+      <p:par>
+        <p:cTn id="1" dur="indefinite" restart="never" nodeType="tmRoot"/>
+      </p:par>
+    </p:tnLst>
+  </p:timing>
 </p:sld>
 </file>
 
@@ -3066,6 +3019,13 @@
   <p:clrMapOvr>
     <a:masterClrMapping/>
   </p:clrMapOvr>
+  <p:timing>
+    <p:tnLst>
+      <p:par>
+        <p:cTn id="1" dur="indefinite" restart="never" nodeType="tmRoot"/>
+      </p:par>
+    </p:tnLst>
+  </p:timing>
 </p:sld>
 </file>
 
@@ -3166,6 +3126,13 @@
   <p:clrMapOvr>
     <a:masterClrMapping/>
   </p:clrMapOvr>
+  <p:timing>
+    <p:tnLst>
+      <p:par>
+        <p:cTn id="1" dur="indefinite" restart="never" nodeType="tmRoot"/>
+      </p:par>
+    </p:tnLst>
+  </p:timing>
 </p:sld>
 </file>
 
@@ -3260,6 +3227,13 @@
   <p:clrMapOvr>
     <a:masterClrMapping/>
   </p:clrMapOvr>
+  <p:timing>
+    <p:tnLst>
+      <p:par>
+        <p:cTn id="1" dur="indefinite" restart="never" nodeType="tmRoot"/>
+      </p:par>
+    </p:tnLst>
+  </p:timing>
 </p:sld>
 </file>
 
@@ -3354,6 +3328,13 @@
   <p:clrMapOvr>
     <a:masterClrMapping/>
   </p:clrMapOvr>
+  <p:timing>
+    <p:tnLst>
+      <p:par>
+        <p:cTn id="1" dur="indefinite" restart="never" nodeType="tmRoot"/>
+      </p:par>
+    </p:tnLst>
+  </p:timing>
 </p:sld>
 </file>
 
@@ -3486,6 +3467,13 @@
   <p:clrMapOvr>
     <a:masterClrMapping/>
   </p:clrMapOvr>
+  <p:timing>
+    <p:tnLst>
+      <p:par>
+        <p:cTn id="1" dur="indefinite" restart="never" nodeType="tmRoot"/>
+      </p:par>
+    </p:tnLst>
+  </p:timing>
 </p:sld>
 </file>
 
@@ -3562,6 +3550,13 @@
   <p:clrMapOvr>
     <a:masterClrMapping/>
   </p:clrMapOvr>
+  <p:timing>
+    <p:tnLst>
+      <p:par>
+        <p:cTn id="1" dur="indefinite" restart="never" nodeType="tmRoot"/>
+      </p:par>
+    </p:tnLst>
+  </p:timing>
 </p:sld>
 </file>
 
@@ -3658,6 +3653,13 @@
   <p:clrMapOvr>
     <a:masterClrMapping/>
   </p:clrMapOvr>
+  <p:timing>
+    <p:tnLst>
+      <p:par>
+        <p:cTn id="1" dur="indefinite" restart="never" nodeType="tmRoot"/>
+      </p:par>
+    </p:tnLst>
+  </p:timing>
 </p:sld>
 </file>
 
